--- a/Presentazione Progetto Zero12.pptx
+++ b/Presentazione Progetto Zero12.pptx
@@ -13,6 +13,9 @@
     <p:sldId id="261" r:id="rId7"/>
     <p:sldId id="262" r:id="rId8"/>
     <p:sldId id="263" r:id="rId9"/>
+    <p:sldId id="264" r:id="rId10"/>
+    <p:sldId id="265" r:id="rId11"/>
+    <p:sldId id="266" r:id="rId12"/>
   </p:sldIdLst>
   <p:sldSz cx="12192000" cy="6858000"/>
   <p:notesSz cx="6858000" cy="9144000"/>
@@ -111,6 +114,11 @@
       </a:defRPr>
     </a:lvl9pPr>
   </p:defaultTextStyle>
+  <p:extLst>
+    <p:ext uri="{EFAFB233-063F-42B5-8137-9DF3F51BA10A}">
+      <p15:sldGuideLst xmlns:p15="http://schemas.microsoft.com/office/powerpoint/2012/main"/>
+    </p:ext>
+  </p:extLst>
 </p:presentation>
 </file>
 
@@ -256,7 +264,7 @@
           <a:p>
             <a:fld id="{0521B02C-4D8E-4693-9070-4D05F2EE113D}" type="datetimeFigureOut">
               <a:rPr lang="it-IT" smtClean="0"/>
-              <a:t>28/11/2018</a:t>
+              <a:t>29/11/2018</a:t>
             </a:fld>
             <a:endParaRPr lang="it-IT"/>
           </a:p>
@@ -426,7 +434,7 @@
           <a:p>
             <a:fld id="{0521B02C-4D8E-4693-9070-4D05F2EE113D}" type="datetimeFigureOut">
               <a:rPr lang="it-IT" smtClean="0"/>
-              <a:t>28/11/2018</a:t>
+              <a:t>29/11/2018</a:t>
             </a:fld>
             <a:endParaRPr lang="it-IT"/>
           </a:p>
@@ -606,7 +614,7 @@
           <a:p>
             <a:fld id="{0521B02C-4D8E-4693-9070-4D05F2EE113D}" type="datetimeFigureOut">
               <a:rPr lang="it-IT" smtClean="0"/>
-              <a:t>28/11/2018</a:t>
+              <a:t>29/11/2018</a:t>
             </a:fld>
             <a:endParaRPr lang="it-IT"/>
           </a:p>
@@ -800,7 +808,7 @@
           <a:p>
             <a:fld id="{0521B02C-4D8E-4693-9070-4D05F2EE113D}" type="datetimeFigureOut">
               <a:rPr lang="it-IT" smtClean="0"/>
-              <a:t>28/11/2018</a:t>
+              <a:t>29/11/2018</a:t>
             </a:fld>
             <a:endParaRPr lang="it-IT"/>
           </a:p>
@@ -970,7 +978,7 @@
           <a:p>
             <a:fld id="{0521B02C-4D8E-4693-9070-4D05F2EE113D}" type="datetimeFigureOut">
               <a:rPr lang="it-IT" smtClean="0"/>
-              <a:t>28/11/2018</a:t>
+              <a:t>29/11/2018</a:t>
             </a:fld>
             <a:endParaRPr lang="it-IT"/>
           </a:p>
@@ -1218,7 +1226,7 @@
           <a:p>
             <a:fld id="{0521B02C-4D8E-4693-9070-4D05F2EE113D}" type="datetimeFigureOut">
               <a:rPr lang="it-IT" smtClean="0"/>
-              <a:t>28/11/2018</a:t>
+              <a:t>29/11/2018</a:t>
             </a:fld>
             <a:endParaRPr lang="it-IT"/>
           </a:p>
@@ -1455,7 +1463,7 @@
           <a:p>
             <a:fld id="{0521B02C-4D8E-4693-9070-4D05F2EE113D}" type="datetimeFigureOut">
               <a:rPr lang="it-IT" smtClean="0"/>
-              <a:t>28/11/2018</a:t>
+              <a:t>29/11/2018</a:t>
             </a:fld>
             <a:endParaRPr lang="it-IT"/>
           </a:p>
@@ -1828,7 +1836,7 @@
           <a:p>
             <a:fld id="{0521B02C-4D8E-4693-9070-4D05F2EE113D}" type="datetimeFigureOut">
               <a:rPr lang="it-IT" smtClean="0"/>
-              <a:t>28/11/2018</a:t>
+              <a:t>29/11/2018</a:t>
             </a:fld>
             <a:endParaRPr lang="it-IT"/>
           </a:p>
@@ -1946,7 +1954,7 @@
           <a:p>
             <a:fld id="{0521B02C-4D8E-4693-9070-4D05F2EE113D}" type="datetimeFigureOut">
               <a:rPr lang="it-IT" smtClean="0"/>
-              <a:t>28/11/2018</a:t>
+              <a:t>29/11/2018</a:t>
             </a:fld>
             <a:endParaRPr lang="it-IT"/>
           </a:p>
@@ -2041,7 +2049,7 @@
           <a:p>
             <a:fld id="{0521B02C-4D8E-4693-9070-4D05F2EE113D}" type="datetimeFigureOut">
               <a:rPr lang="it-IT" smtClean="0"/>
-              <a:t>28/11/2018</a:t>
+              <a:t>29/11/2018</a:t>
             </a:fld>
             <a:endParaRPr lang="it-IT"/>
           </a:p>
@@ -2292,7 +2300,7 @@
           <a:p>
             <a:fld id="{0521B02C-4D8E-4693-9070-4D05F2EE113D}" type="datetimeFigureOut">
               <a:rPr lang="it-IT" smtClean="0"/>
-              <a:t>28/11/2018</a:t>
+              <a:t>29/11/2018</a:t>
             </a:fld>
             <a:endParaRPr lang="it-IT"/>
           </a:p>
@@ -2462,7 +2470,7 @@
           <a:p>
             <a:fld id="{0521B02C-4D8E-4693-9070-4D05F2EE113D}" type="datetimeFigureOut">
               <a:rPr lang="it-IT" smtClean="0"/>
-              <a:t>28/11/2018</a:t>
+              <a:t>29/11/2018</a:t>
             </a:fld>
             <a:endParaRPr lang="it-IT"/>
           </a:p>
@@ -2749,7 +2757,7 @@
           <a:p>
             <a:fld id="{0521B02C-4D8E-4693-9070-4D05F2EE113D}" type="datetimeFigureOut">
               <a:rPr lang="it-IT" smtClean="0"/>
-              <a:t>28/11/2018</a:t>
+              <a:t>29/11/2018</a:t>
             </a:fld>
             <a:endParaRPr lang="it-IT"/>
           </a:p>
@@ -3036,7 +3044,7 @@
           <a:p>
             <a:fld id="{0521B02C-4D8E-4693-9070-4D05F2EE113D}" type="datetimeFigureOut">
               <a:rPr lang="it-IT" smtClean="0"/>
-              <a:t>28/11/2018</a:t>
+              <a:t>29/11/2018</a:t>
             </a:fld>
             <a:endParaRPr lang="it-IT"/>
           </a:p>
@@ -3228,7 +3236,7 @@
           <a:p>
             <a:fld id="{0521B02C-4D8E-4693-9070-4D05F2EE113D}" type="datetimeFigureOut">
               <a:rPr lang="it-IT" smtClean="0"/>
-              <a:t>28/11/2018</a:t>
+              <a:t>29/11/2018</a:t>
             </a:fld>
             <a:endParaRPr lang="it-IT"/>
           </a:p>
@@ -3489,7 +3497,7 @@
           <a:p>
             <a:fld id="{0521B02C-4D8E-4693-9070-4D05F2EE113D}" type="datetimeFigureOut">
               <a:rPr lang="it-IT" smtClean="0"/>
-              <a:t>28/11/2018</a:t>
+              <a:t>29/11/2018</a:t>
             </a:fld>
             <a:endParaRPr lang="it-IT"/>
           </a:p>
@@ -3913,7 +3921,7 @@
           <a:p>
             <a:fld id="{0521B02C-4D8E-4693-9070-4D05F2EE113D}" type="datetimeFigureOut">
               <a:rPr lang="it-IT" smtClean="0"/>
-              <a:t>28/11/2018</a:t>
+              <a:t>29/11/2018</a:t>
             </a:fld>
             <a:endParaRPr lang="it-IT"/>
           </a:p>
@@ -4459,7 +4467,7 @@
           <a:p>
             <a:fld id="{0521B02C-4D8E-4693-9070-4D05F2EE113D}" type="datetimeFigureOut">
               <a:rPr lang="it-IT" smtClean="0"/>
-              <a:t>28/11/2018</a:t>
+              <a:t>29/11/2018</a:t>
             </a:fld>
             <a:endParaRPr lang="it-IT"/>
           </a:p>
@@ -5299,7 +5307,7 @@
           <a:p>
             <a:fld id="{0521B02C-4D8E-4693-9070-4D05F2EE113D}" type="datetimeFigureOut">
               <a:rPr lang="it-IT" smtClean="0"/>
-              <a:t>28/11/2018</a:t>
+              <a:t>29/11/2018</a:t>
             </a:fld>
             <a:endParaRPr lang="it-IT"/>
           </a:p>
@@ -5469,7 +5477,7 @@
           <a:p>
             <a:fld id="{0521B02C-4D8E-4693-9070-4D05F2EE113D}" type="datetimeFigureOut">
               <a:rPr lang="it-IT" smtClean="0"/>
-              <a:t>28/11/2018</a:t>
+              <a:t>29/11/2018</a:t>
             </a:fld>
             <a:endParaRPr lang="it-IT"/>
           </a:p>
@@ -5653,7 +5661,7 @@
           <a:p>
             <a:fld id="{0521B02C-4D8E-4693-9070-4D05F2EE113D}" type="datetimeFigureOut">
               <a:rPr lang="it-IT" smtClean="0"/>
-              <a:t>28/11/2018</a:t>
+              <a:t>29/11/2018</a:t>
             </a:fld>
             <a:endParaRPr lang="it-IT"/>
           </a:p>
@@ -5904,7 +5912,7 @@
           <a:p>
             <a:fld id="{0521B02C-4D8E-4693-9070-4D05F2EE113D}" type="datetimeFigureOut">
               <a:rPr lang="it-IT" smtClean="0"/>
-              <a:t>28/11/2018</a:t>
+              <a:t>29/11/2018</a:t>
             </a:fld>
             <a:endParaRPr lang="it-IT"/>
           </a:p>
@@ -6136,7 +6144,7 @@
           <a:p>
             <a:fld id="{0521B02C-4D8E-4693-9070-4D05F2EE113D}" type="datetimeFigureOut">
               <a:rPr lang="it-IT" smtClean="0"/>
-              <a:t>28/11/2018</a:t>
+              <a:t>29/11/2018</a:t>
             </a:fld>
             <a:endParaRPr lang="it-IT"/>
           </a:p>
@@ -6483,7 +6491,7 @@
           <a:p>
             <a:fld id="{0521B02C-4D8E-4693-9070-4D05F2EE113D}" type="datetimeFigureOut">
               <a:rPr lang="it-IT" smtClean="0"/>
-              <a:t>28/11/2018</a:t>
+              <a:t>29/11/2018</a:t>
             </a:fld>
             <a:endParaRPr lang="it-IT"/>
           </a:p>
@@ -6601,7 +6609,7 @@
           <a:p>
             <a:fld id="{0521B02C-4D8E-4693-9070-4D05F2EE113D}" type="datetimeFigureOut">
               <a:rPr lang="it-IT" smtClean="0"/>
-              <a:t>28/11/2018</a:t>
+              <a:t>29/11/2018</a:t>
             </a:fld>
             <a:endParaRPr lang="it-IT"/>
           </a:p>
@@ -6719,7 +6727,7 @@
           <a:p>
             <a:fld id="{0521B02C-4D8E-4693-9070-4D05F2EE113D}" type="datetimeFigureOut">
               <a:rPr lang="it-IT" smtClean="0"/>
-              <a:t>28/11/2018</a:t>
+              <a:t>29/11/2018</a:t>
             </a:fld>
             <a:endParaRPr lang="it-IT"/>
           </a:p>
@@ -7003,7 +7011,7 @@
           <a:p>
             <a:fld id="{0521B02C-4D8E-4693-9070-4D05F2EE113D}" type="datetimeFigureOut">
               <a:rPr lang="it-IT" smtClean="0"/>
-              <a:t>28/11/2018</a:t>
+              <a:t>29/11/2018</a:t>
             </a:fld>
             <a:endParaRPr lang="it-IT"/>
           </a:p>
@@ -7267,7 +7275,7 @@
           <a:p>
             <a:fld id="{0521B02C-4D8E-4693-9070-4D05F2EE113D}" type="datetimeFigureOut">
               <a:rPr lang="it-IT" smtClean="0"/>
-              <a:t>28/11/2018</a:t>
+              <a:t>29/11/2018</a:t>
             </a:fld>
             <a:endParaRPr lang="it-IT"/>
           </a:p>
@@ -7484,7 +7492,7 @@
           <a:p>
             <a:fld id="{0521B02C-4D8E-4693-9070-4D05F2EE113D}" type="datetimeFigureOut">
               <a:rPr lang="it-IT" smtClean="0"/>
-              <a:t>28/11/2018</a:t>
+              <a:t>29/11/2018</a:t>
             </a:fld>
             <a:endParaRPr lang="it-IT"/>
           </a:p>
@@ -8016,7 +8024,7 @@
           <a:p>
             <a:fld id="{0521B02C-4D8E-4693-9070-4D05F2EE113D}" type="datetimeFigureOut">
               <a:rPr lang="it-IT" smtClean="0"/>
-              <a:t>28/11/2018</a:t>
+              <a:t>29/11/2018</a:t>
             </a:fld>
             <a:endParaRPr lang="it-IT"/>
           </a:p>
@@ -8961,6 +8969,153 @@
 </p:sld>
 </file>
 
+<file path=ppt/slides/slide10.xml><?xml version="1.0" encoding="utf-8"?>
+<p:sld xmlns:a="http://schemas.openxmlformats.org/drawingml/2006/main" xmlns:r="http://schemas.openxmlformats.org/officeDocument/2006/relationships" xmlns:p="http://schemas.openxmlformats.org/presentationml/2006/main">
+  <p:cSld>
+    <p:spTree>
+      <p:nvGrpSpPr>
+        <p:cNvPr id="1" name=""/>
+        <p:cNvGrpSpPr/>
+        <p:nvPr/>
+      </p:nvGrpSpPr>
+      <p:grpSpPr>
+        <a:xfrm>
+          <a:off x="0" y="0"/>
+          <a:ext cx="0" cy="0"/>
+          <a:chOff x="0" y="0"/>
+          <a:chExt cx="0" cy="0"/>
+        </a:xfrm>
+      </p:grpSpPr>
+      <p:sp>
+        <p:nvSpPr>
+          <p:cNvPr id="7" name="Titolo 1">
+            <a:extLst>
+              <a:ext uri="{FF2B5EF4-FFF2-40B4-BE49-F238E27FC236}">
+                <a16:creationId xmlns:a16="http://schemas.microsoft.com/office/drawing/2014/main" id="{08202BBE-F851-438E-A1B3-9AD6AFC3C00A}"/>
+              </a:ext>
+            </a:extLst>
+          </p:cNvPr>
+          <p:cNvSpPr>
+            <a:spLocks noGrp="1"/>
+          </p:cNvSpPr>
+          <p:nvPr>
+            <p:ph type="ctrTitle"/>
+          </p:nvPr>
+        </p:nvSpPr>
+        <p:spPr>
+          <a:xfrm>
+            <a:off x="2078852" y="2424247"/>
+            <a:ext cx="8034291" cy="587503"/>
+          </a:xfrm>
+        </p:spPr>
+        <p:txBody>
+          <a:bodyPr anchor="ctr">
+            <a:normAutofit/>
+          </a:bodyPr>
+          <a:lstStyle/>
+          <a:p>
+            <a:r>
+              <a:rPr lang="it-IT" sz="3600" b="0" cap="none" dirty="0">
+                <a:ln w="0">
+                  <a:solidFill>
+                    <a:srgbClr val="C00000"/>
+                  </a:solidFill>
+                </a:ln>
+                <a:solidFill>
+                  <a:srgbClr val="C00000"/>
+                </a:solidFill>
+                <a:effectLst/>
+              </a:rPr>
+              <a:t>Proviamo l’interfaccia?</a:t>
+            </a:r>
+          </a:p>
+        </p:txBody>
+      </p:sp>
+      <p:sp>
+        <p:nvSpPr>
+          <p:cNvPr id="6" name="Titolo 1">
+            <a:extLst>
+              <a:ext uri="{FF2B5EF4-FFF2-40B4-BE49-F238E27FC236}">
+                <a16:creationId xmlns:a16="http://schemas.microsoft.com/office/drawing/2014/main" id="{898E3BE2-39FD-4E2B-A24A-7E6A48AFEF99}"/>
+              </a:ext>
+            </a:extLst>
+          </p:cNvPr>
+          <p:cNvSpPr txBox="1">
+            <a:spLocks/>
+          </p:cNvSpPr>
+          <p:nvPr/>
+        </p:nvSpPr>
+        <p:spPr>
+          <a:xfrm>
+            <a:off x="2078851" y="3686453"/>
+            <a:ext cx="8034291" cy="587503"/>
+          </a:xfrm>
+          <a:prstGeom prst="rect">
+            <a:avLst/>
+          </a:prstGeom>
+        </p:spPr>
+        <p:txBody>
+          <a:bodyPr vert="horz" lIns="91440" tIns="45720" rIns="91440" bIns="45720" rtlCol="0" anchor="ctr">
+            <a:normAutofit/>
+          </a:bodyPr>
+          <a:lstStyle>
+            <a:lvl1pPr algn="ctr" defTabSz="914400" rtl="0" eaLnBrk="1" latinLnBrk="0" hangingPunct="1">
+              <a:lnSpc>
+                <a:spcPct val="90000"/>
+              </a:lnSpc>
+              <a:spcBef>
+                <a:spcPct val="0"/>
+              </a:spcBef>
+              <a:buNone/>
+              <a:defRPr sz="4800" b="1" i="0" kern="1200" cap="all">
+                <a:solidFill>
+                  <a:schemeClr val="tx1"/>
+                </a:solidFill>
+                <a:effectLst>
+                  <a:outerShdw blurRad="50800" dist="63500" dir="2700000" algn="tl" rotWithShape="0">
+                    <a:srgbClr val="000000">
+                      <a:alpha val="48000"/>
+                    </a:srgbClr>
+                  </a:outerShdw>
+                </a:effectLst>
+                <a:latin typeface="+mj-lt"/>
+                <a:ea typeface="+mj-ea"/>
+                <a:cs typeface="+mj-cs"/>
+              </a:defRPr>
+            </a:lvl1pPr>
+          </a:lstStyle>
+          <a:p>
+            <a:r>
+              <a:rPr lang="it-IT" sz="3600" b="0" cap="none" dirty="0">
+                <a:ln w="0">
+                  <a:noFill/>
+                </a:ln>
+                <a:solidFill>
+                  <a:schemeClr val="bg1">
+                    <a:lumMod val="95000"/>
+                    <a:lumOff val="5000"/>
+                  </a:schemeClr>
+                </a:solidFill>
+                <a:effectLst/>
+              </a:rPr>
+              <a:t>Subito !</a:t>
+            </a:r>
+          </a:p>
+        </p:txBody>
+      </p:sp>
+    </p:spTree>
+    <p:extLst>
+      <p:ext uri="{BB962C8B-B14F-4D97-AF65-F5344CB8AC3E}">
+        <p14:creationId xmlns:p14="http://schemas.microsoft.com/office/powerpoint/2010/main" val="532049002"/>
+      </p:ext>
+    </p:extLst>
+  </p:cSld>
+  <p:clrMapOvr>
+    <a:masterClrMapping/>
+  </p:clrMapOvr>
+</p:sld>
+</file>
+
 <file path=ppt/slides/slide2.xml><?xml version="1.0" encoding="utf-8"?>
 <p:sld xmlns:a="http://schemas.openxmlformats.org/drawingml/2006/main" xmlns:r="http://schemas.openxmlformats.org/officeDocument/2006/relationships" xmlns:p="http://schemas.openxmlformats.org/presentationml/2006/main">
   <p:cSld>
@@ -9099,8 +9254,8 @@
         </p:nvSpPr>
         <p:spPr>
           <a:xfrm>
-            <a:off x="397097" y="1592304"/>
-            <a:ext cx="4882718" cy="1938992"/>
+            <a:off x="1412384" y="1080733"/>
+            <a:ext cx="2532546" cy="3785652"/>
           </a:xfrm>
           <a:prstGeom prst="rect">
             <a:avLst/>
@@ -9113,6 +9268,7 @@
           </a:bodyPr>
           <a:lstStyle/>
           <a:p>
+            <a:pPr algn="ctr"/>
             <a:r>
               <a:rPr lang="it-IT" sz="3000" dirty="0" err="1">
                 <a:solidFill>
@@ -9129,17 +9285,6 @@
               </a:rPr>
               <a:t> </a:t>
             </a:r>
-            <a:r>
-              <a:rPr lang="it-IT" sz="3000" dirty="0">
-                <a:solidFill>
-                  <a:schemeClr val="bg1"/>
-                </a:solidFill>
-                <a:sym typeface="Wingdings" panose="05000000000000000000" pitchFamily="2" charset="2"/>
-              </a:rPr>
-              <a:t> client-side</a:t>
-            </a:r>
-          </a:p>
-          <a:p>
             <a:endParaRPr lang="it-IT" sz="3000" dirty="0">
               <a:solidFill>
                 <a:schemeClr val="bg1"/>
@@ -9148,6 +9293,7 @@
             </a:endParaRPr>
           </a:p>
           <a:p>
+            <a:pPr algn="ctr"/>
             <a:endParaRPr lang="it-IT" sz="3000" dirty="0">
               <a:solidFill>
                 <a:schemeClr val="bg1"/>
@@ -9156,6 +9302,52 @@
             </a:endParaRPr>
           </a:p>
           <a:p>
+            <a:pPr algn="ctr"/>
+            <a:endParaRPr lang="it-IT" sz="3000" dirty="0">
+              <a:solidFill>
+                <a:schemeClr val="bg1"/>
+              </a:solidFill>
+              <a:sym typeface="Wingdings" panose="05000000000000000000" pitchFamily="2" charset="2"/>
+            </a:endParaRPr>
+          </a:p>
+          <a:p>
+            <a:pPr algn="ctr"/>
+            <a:endParaRPr lang="it-IT" sz="3000" dirty="0">
+              <a:solidFill>
+                <a:schemeClr val="bg1"/>
+              </a:solidFill>
+              <a:sym typeface="Wingdings" panose="05000000000000000000" pitchFamily="2" charset="2"/>
+            </a:endParaRPr>
+          </a:p>
+          <a:p>
+            <a:pPr algn="ctr"/>
+            <a:endParaRPr lang="it-IT" sz="3000" dirty="0">
+              <a:solidFill>
+                <a:schemeClr val="bg1"/>
+              </a:solidFill>
+              <a:sym typeface="Wingdings" panose="05000000000000000000" pitchFamily="2" charset="2"/>
+            </a:endParaRPr>
+          </a:p>
+          <a:p>
+            <a:pPr algn="ctr"/>
+            <a:endParaRPr lang="it-IT" sz="3000" dirty="0">
+              <a:solidFill>
+                <a:schemeClr val="bg1"/>
+              </a:solidFill>
+              <a:sym typeface="Wingdings" panose="05000000000000000000" pitchFamily="2" charset="2"/>
+            </a:endParaRPr>
+          </a:p>
+          <a:p>
+            <a:pPr algn="ctr"/>
+            <a:endParaRPr lang="it-IT" sz="3000" dirty="0">
+              <a:solidFill>
+                <a:schemeClr val="bg1"/>
+              </a:solidFill>
+              <a:sym typeface="Wingdings" panose="05000000000000000000" pitchFamily="2" charset="2"/>
+            </a:endParaRPr>
+          </a:p>
+          <a:p>
+            <a:pPr algn="ctr"/>
             <a:r>
               <a:rPr lang="it-IT" sz="3000" dirty="0" err="1">
                 <a:solidFill>
@@ -9172,7 +9364,7 @@
                 </a:solidFill>
                 <a:sym typeface="Wingdings" panose="05000000000000000000" pitchFamily="2" charset="2"/>
               </a:rPr>
-              <a:t>  server-side</a:t>
+              <a:t>  </a:t>
             </a:r>
             <a:endParaRPr lang="it-IT" sz="3000" dirty="0">
               <a:solidFill>
@@ -9196,7 +9388,7 @@
         </p:nvSpPr>
         <p:spPr>
           <a:xfrm>
-            <a:off x="397097" y="4546788"/>
+            <a:off x="397097" y="5088327"/>
             <a:ext cx="4563123" cy="1502820"/>
           </a:xfrm>
           <a:prstGeom prst="ellipse">
@@ -9271,7 +9463,7 @@
         </p:nvSpPr>
         <p:spPr>
           <a:xfrm>
-            <a:off x="1151699" y="4725792"/>
+            <a:off x="1151698" y="5362683"/>
             <a:ext cx="3053919" cy="954107"/>
           </a:xfrm>
           <a:prstGeom prst="rect">
@@ -9347,6 +9539,148 @@
                 </a:solidFill>
               </a:rPr>
               <a:t>API REST</a:t>
+            </a:r>
+          </a:p>
+        </p:txBody>
+      </p:sp>
+      <p:cxnSp>
+        <p:nvCxnSpPr>
+          <p:cNvPr id="4" name="Connettore 2 3">
+            <a:extLst>
+              <a:ext uri="{FF2B5EF4-FFF2-40B4-BE49-F238E27FC236}">
+                <a16:creationId xmlns:a16="http://schemas.microsoft.com/office/drawing/2014/main" id="{FD95E3DC-5EDE-4BAC-9216-B16312C05EF8}"/>
+              </a:ext>
+            </a:extLst>
+          </p:cNvPr>
+          <p:cNvCxnSpPr/>
+          <p:nvPr/>
+        </p:nvCxnSpPr>
+        <p:spPr>
+          <a:xfrm>
+            <a:off x="3746377" y="1367161"/>
+            <a:ext cx="1213843" cy="0"/>
+          </a:xfrm>
+          <a:prstGeom prst="straightConnector1">
+            <a:avLst/>
+          </a:prstGeom>
+          <a:ln>
+            <a:tailEnd type="triangle"/>
+          </a:ln>
+        </p:spPr>
+        <p:style>
+          <a:lnRef idx="1">
+            <a:schemeClr val="dk1"/>
+          </a:lnRef>
+          <a:fillRef idx="0">
+            <a:schemeClr val="dk1"/>
+          </a:fillRef>
+          <a:effectRef idx="0">
+            <a:schemeClr val="dk1"/>
+          </a:effectRef>
+          <a:fontRef idx="minor">
+            <a:schemeClr val="tx1"/>
+          </a:fontRef>
+        </p:style>
+      </p:cxnSp>
+      <p:cxnSp>
+        <p:nvCxnSpPr>
+          <p:cNvPr id="13" name="Connettore 2 12">
+            <a:extLst>
+              <a:ext uri="{FF2B5EF4-FFF2-40B4-BE49-F238E27FC236}">
+                <a16:creationId xmlns:a16="http://schemas.microsoft.com/office/drawing/2014/main" id="{1FEEC88A-49C1-4B58-825D-8A6B8F2D763B}"/>
+              </a:ext>
+            </a:extLst>
+          </p:cNvPr>
+          <p:cNvCxnSpPr/>
+          <p:nvPr/>
+        </p:nvCxnSpPr>
+        <p:spPr>
+          <a:xfrm>
+            <a:off x="3747855" y="4600119"/>
+            <a:ext cx="1213843" cy="0"/>
+          </a:xfrm>
+          <a:prstGeom prst="straightConnector1">
+            <a:avLst/>
+          </a:prstGeom>
+          <a:ln>
+            <a:tailEnd type="triangle"/>
+          </a:ln>
+        </p:spPr>
+        <p:style>
+          <a:lnRef idx="1">
+            <a:schemeClr val="dk1"/>
+          </a:lnRef>
+          <a:fillRef idx="0">
+            <a:schemeClr val="dk1"/>
+          </a:fillRef>
+          <a:effectRef idx="0">
+            <a:schemeClr val="dk1"/>
+          </a:effectRef>
+          <a:fontRef idx="minor">
+            <a:schemeClr val="tx1"/>
+          </a:fontRef>
+        </p:style>
+      </p:cxnSp>
+      <p:sp>
+        <p:nvSpPr>
+          <p:cNvPr id="6" name="CasellaDiTesto 5">
+            <a:extLst>
+              <a:ext uri="{FF2B5EF4-FFF2-40B4-BE49-F238E27FC236}">
+                <a16:creationId xmlns:a16="http://schemas.microsoft.com/office/drawing/2014/main" id="{37390C39-BEA1-4E46-985B-25CEDDE33CEC}"/>
+              </a:ext>
+            </a:extLst>
+          </p:cNvPr>
+          <p:cNvSpPr txBox="1"/>
+          <p:nvPr/>
+        </p:nvSpPr>
+        <p:spPr>
+          <a:xfrm>
+            <a:off x="9339309" y="1080733"/>
+            <a:ext cx="2130641" cy="523220"/>
+          </a:xfrm>
+          <a:prstGeom prst="rect">
+            <a:avLst/>
+          </a:prstGeom>
+          <a:noFill/>
+        </p:spPr>
+        <p:txBody>
+          <a:bodyPr wrap="square" rtlCol="0">
+            <a:spAutoFit/>
+          </a:bodyPr>
+          <a:lstStyle/>
+          <a:p>
+            <a:r>
+              <a:rPr lang="it-IT" sz="2800" b="1" dirty="0">
+                <a:solidFill>
+                  <a:schemeClr val="bg1">
+                    <a:lumMod val="95000"/>
+                    <a:lumOff val="5000"/>
+                  </a:schemeClr>
+                </a:solidFill>
+              </a:rPr>
+              <a:t>+</a:t>
+            </a:r>
+            <a:r>
+              <a:rPr lang="it-IT" dirty="0">
+                <a:solidFill>
+                  <a:schemeClr val="bg1">
+                    <a:lumMod val="95000"/>
+                    <a:lumOff val="5000"/>
+                  </a:schemeClr>
+                </a:solidFill>
+              </a:rPr>
+              <a:t> </a:t>
+            </a:r>
+            <a:r>
+              <a:rPr lang="it-IT" sz="2800" dirty="0">
+                <a:solidFill>
+                  <a:schemeClr val="bg1">
+                    <a:lumMod val="95000"/>
+                    <a:lumOff val="5000"/>
+                  </a:schemeClr>
+                </a:solidFill>
+              </a:rPr>
+              <a:t>Bootstrap</a:t>
             </a:r>
           </a:p>
         </p:txBody>
@@ -10106,6 +10440,354 @@
     <p:extLst>
       <p:ext uri="{BB962C8B-B14F-4D97-AF65-F5344CB8AC3E}">
         <p14:creationId xmlns:p14="http://schemas.microsoft.com/office/powerpoint/2010/main" val="290601389"/>
+      </p:ext>
+    </p:extLst>
+  </p:cSld>
+  <p:clrMapOvr>
+    <a:masterClrMapping/>
+  </p:clrMapOvr>
+</p:sld>
+</file>
+
+<file path=ppt/slides/slide8.xml><?xml version="1.0" encoding="utf-8"?>
+<p:sld xmlns:a="http://schemas.openxmlformats.org/drawingml/2006/main" xmlns:r="http://schemas.openxmlformats.org/officeDocument/2006/relationships" xmlns:p="http://schemas.openxmlformats.org/presentationml/2006/main">
+  <p:cSld>
+    <p:spTree>
+      <p:nvGrpSpPr>
+        <p:cNvPr id="1" name=""/>
+        <p:cNvGrpSpPr/>
+        <p:nvPr/>
+      </p:nvGrpSpPr>
+      <p:grpSpPr>
+        <a:xfrm>
+          <a:off x="0" y="0"/>
+          <a:ext cx="0" cy="0"/>
+          <a:chOff x="0" y="0"/>
+          <a:chExt cx="0" cy="0"/>
+        </a:xfrm>
+      </p:grpSpPr>
+      <p:pic>
+        <p:nvPicPr>
+          <p:cNvPr id="5" name="Immagine 4">
+            <a:extLst>
+              <a:ext uri="{FF2B5EF4-FFF2-40B4-BE49-F238E27FC236}">
+                <a16:creationId xmlns:a16="http://schemas.microsoft.com/office/drawing/2014/main" id="{6869442B-C467-431B-812E-D0A8C40136AB}"/>
+              </a:ext>
+            </a:extLst>
+          </p:cNvPr>
+          <p:cNvPicPr>
+            <a:picLocks noChangeAspect="1"/>
+          </p:cNvPicPr>
+          <p:nvPr/>
+        </p:nvPicPr>
+        <p:blipFill>
+          <a:blip r:embed="rId2"/>
+          <a:stretch>
+            <a:fillRect/>
+          </a:stretch>
+        </p:blipFill>
+        <p:spPr>
+          <a:xfrm>
+            <a:off x="5885895" y="1537868"/>
+            <a:ext cx="6143375" cy="4945699"/>
+          </a:xfrm>
+          <a:prstGeom prst="rect">
+            <a:avLst/>
+          </a:prstGeom>
+        </p:spPr>
+      </p:pic>
+      <p:pic>
+        <p:nvPicPr>
+          <p:cNvPr id="8" name="Immagine 7">
+            <a:extLst>
+              <a:ext uri="{FF2B5EF4-FFF2-40B4-BE49-F238E27FC236}">
+                <a16:creationId xmlns:a16="http://schemas.microsoft.com/office/drawing/2014/main" id="{55FF59D4-505E-41ED-9920-0390159DC001}"/>
+              </a:ext>
+            </a:extLst>
+          </p:cNvPr>
+          <p:cNvPicPr>
+            <a:picLocks noChangeAspect="1"/>
+          </p:cNvPicPr>
+          <p:nvPr/>
+        </p:nvPicPr>
+        <p:blipFill>
+          <a:blip r:embed="rId3"/>
+          <a:stretch>
+            <a:fillRect/>
+          </a:stretch>
+        </p:blipFill>
+        <p:spPr>
+          <a:xfrm>
+            <a:off x="162730" y="1916603"/>
+            <a:ext cx="5532211" cy="4188228"/>
+          </a:xfrm>
+          <a:prstGeom prst="rect">
+            <a:avLst/>
+          </a:prstGeom>
+        </p:spPr>
+      </p:pic>
+      <p:sp>
+        <p:nvSpPr>
+          <p:cNvPr id="9" name="CasellaDiTesto 8">
+            <a:extLst>
+              <a:ext uri="{FF2B5EF4-FFF2-40B4-BE49-F238E27FC236}">
+                <a16:creationId xmlns:a16="http://schemas.microsoft.com/office/drawing/2014/main" id="{AC76225F-1FD2-4E74-B328-58958EC6B556}"/>
+              </a:ext>
+            </a:extLst>
+          </p:cNvPr>
+          <p:cNvSpPr txBox="1"/>
+          <p:nvPr/>
+        </p:nvSpPr>
+        <p:spPr>
+          <a:xfrm>
+            <a:off x="8356889" y="523691"/>
+            <a:ext cx="1672331" cy="523220"/>
+          </a:xfrm>
+          <a:prstGeom prst="rect">
+            <a:avLst/>
+          </a:prstGeom>
+          <a:noFill/>
+        </p:spPr>
+        <p:txBody>
+          <a:bodyPr wrap="square" rtlCol="0">
+            <a:spAutoFit/>
+          </a:bodyPr>
+          <a:lstStyle/>
+          <a:p>
+            <a:r>
+              <a:rPr lang="it-IT" sz="2800" dirty="0">
+                <a:solidFill>
+                  <a:schemeClr val="bg1">
+                    <a:lumMod val="95000"/>
+                    <a:lumOff val="5000"/>
+                  </a:schemeClr>
+                </a:solidFill>
+              </a:rPr>
+              <a:t>server.js</a:t>
+            </a:r>
+          </a:p>
+        </p:txBody>
+      </p:sp>
+      <p:sp>
+        <p:nvSpPr>
+          <p:cNvPr id="10" name="CasellaDiTesto 9">
+            <a:extLst>
+              <a:ext uri="{FF2B5EF4-FFF2-40B4-BE49-F238E27FC236}">
+                <a16:creationId xmlns:a16="http://schemas.microsoft.com/office/drawing/2014/main" id="{35BC35B6-9CD9-4814-ACD3-AE04AAC2EEF7}"/>
+              </a:ext>
+            </a:extLst>
+          </p:cNvPr>
+          <p:cNvSpPr txBox="1"/>
+          <p:nvPr/>
+        </p:nvSpPr>
+        <p:spPr>
+          <a:xfrm>
+            <a:off x="1681598" y="523691"/>
+            <a:ext cx="2494474" cy="523220"/>
+          </a:xfrm>
+          <a:prstGeom prst="rect">
+            <a:avLst/>
+          </a:prstGeom>
+          <a:noFill/>
+        </p:spPr>
+        <p:txBody>
+          <a:bodyPr wrap="square" rtlCol="0">
+            <a:spAutoFit/>
+          </a:bodyPr>
+          <a:lstStyle/>
+          <a:p>
+            <a:r>
+              <a:rPr lang="it-IT" sz="2800" dirty="0">
+                <a:solidFill>
+                  <a:schemeClr val="bg1">
+                    <a:lumMod val="95000"/>
+                    <a:lumOff val="5000"/>
+                  </a:schemeClr>
+                </a:solidFill>
+              </a:rPr>
+              <a:t>public\core.js</a:t>
+            </a:r>
+          </a:p>
+        </p:txBody>
+      </p:sp>
+    </p:spTree>
+    <p:extLst>
+      <p:ext uri="{BB962C8B-B14F-4D97-AF65-F5344CB8AC3E}">
+        <p14:creationId xmlns:p14="http://schemas.microsoft.com/office/powerpoint/2010/main" val="689754293"/>
+      </p:ext>
+    </p:extLst>
+  </p:cSld>
+  <p:clrMapOvr>
+    <a:masterClrMapping/>
+  </p:clrMapOvr>
+</p:sld>
+</file>
+
+<file path=ppt/slides/slide9.xml><?xml version="1.0" encoding="utf-8"?>
+<p:sld xmlns:a="http://schemas.openxmlformats.org/drawingml/2006/main" xmlns:r="http://schemas.openxmlformats.org/officeDocument/2006/relationships" xmlns:p="http://schemas.openxmlformats.org/presentationml/2006/main">
+  <p:cSld>
+    <p:spTree>
+      <p:nvGrpSpPr>
+        <p:cNvPr id="1" name=""/>
+        <p:cNvGrpSpPr/>
+        <p:nvPr/>
+      </p:nvGrpSpPr>
+      <p:grpSpPr>
+        <a:xfrm>
+          <a:off x="0" y="0"/>
+          <a:ext cx="0" cy="0"/>
+          <a:chOff x="0" y="0"/>
+          <a:chExt cx="0" cy="0"/>
+        </a:xfrm>
+      </p:grpSpPr>
+      <p:sp>
+        <p:nvSpPr>
+          <p:cNvPr id="9" name="CasellaDiTesto 8">
+            <a:extLst>
+              <a:ext uri="{FF2B5EF4-FFF2-40B4-BE49-F238E27FC236}">
+                <a16:creationId xmlns:a16="http://schemas.microsoft.com/office/drawing/2014/main" id="{AC76225F-1FD2-4E74-B328-58958EC6B556}"/>
+              </a:ext>
+            </a:extLst>
+          </p:cNvPr>
+          <p:cNvSpPr txBox="1"/>
+          <p:nvPr/>
+        </p:nvSpPr>
+        <p:spPr>
+          <a:xfrm>
+            <a:off x="7892788" y="27012"/>
+            <a:ext cx="1672331" cy="523220"/>
+          </a:xfrm>
+          <a:prstGeom prst="rect">
+            <a:avLst/>
+          </a:prstGeom>
+          <a:noFill/>
+        </p:spPr>
+        <p:txBody>
+          <a:bodyPr wrap="square" rtlCol="0">
+            <a:spAutoFit/>
+          </a:bodyPr>
+          <a:lstStyle/>
+          <a:p>
+            <a:r>
+              <a:rPr lang="it-IT" sz="2800" dirty="0">
+                <a:solidFill>
+                  <a:schemeClr val="bg1">
+                    <a:lumMod val="95000"/>
+                    <a:lumOff val="5000"/>
+                  </a:schemeClr>
+                </a:solidFill>
+              </a:rPr>
+              <a:t>server.js</a:t>
+            </a:r>
+          </a:p>
+        </p:txBody>
+      </p:sp>
+      <p:sp>
+        <p:nvSpPr>
+          <p:cNvPr id="10" name="CasellaDiTesto 9">
+            <a:extLst>
+              <a:ext uri="{FF2B5EF4-FFF2-40B4-BE49-F238E27FC236}">
+                <a16:creationId xmlns:a16="http://schemas.microsoft.com/office/drawing/2014/main" id="{35BC35B6-9CD9-4814-ACD3-AE04AAC2EEF7}"/>
+              </a:ext>
+            </a:extLst>
+          </p:cNvPr>
+          <p:cNvSpPr txBox="1"/>
+          <p:nvPr/>
+        </p:nvSpPr>
+        <p:spPr>
+          <a:xfrm>
+            <a:off x="1471569" y="27012"/>
+            <a:ext cx="2494474" cy="523220"/>
+          </a:xfrm>
+          <a:prstGeom prst="rect">
+            <a:avLst/>
+          </a:prstGeom>
+          <a:noFill/>
+        </p:spPr>
+        <p:txBody>
+          <a:bodyPr wrap="square" rtlCol="0">
+            <a:spAutoFit/>
+          </a:bodyPr>
+          <a:lstStyle/>
+          <a:p>
+            <a:r>
+              <a:rPr lang="it-IT" sz="2800" dirty="0">
+                <a:solidFill>
+                  <a:schemeClr val="bg1">
+                    <a:lumMod val="95000"/>
+                    <a:lumOff val="5000"/>
+                  </a:schemeClr>
+                </a:solidFill>
+              </a:rPr>
+              <a:t>public\core.js</a:t>
+            </a:r>
+          </a:p>
+        </p:txBody>
+      </p:sp>
+      <p:pic>
+        <p:nvPicPr>
+          <p:cNvPr id="3" name="Immagine 2">
+            <a:extLst>
+              <a:ext uri="{FF2B5EF4-FFF2-40B4-BE49-F238E27FC236}">
+                <a16:creationId xmlns:a16="http://schemas.microsoft.com/office/drawing/2014/main" id="{15E00563-AC01-4A93-A2FD-A527C7BC6E54}"/>
+              </a:ext>
+            </a:extLst>
+          </p:cNvPr>
+          <p:cNvPicPr>
+            <a:picLocks noChangeAspect="1"/>
+          </p:cNvPicPr>
+          <p:nvPr/>
+        </p:nvPicPr>
+        <p:blipFill>
+          <a:blip r:embed="rId2"/>
+          <a:stretch>
+            <a:fillRect/>
+          </a:stretch>
+        </p:blipFill>
+        <p:spPr>
+          <a:xfrm>
+            <a:off x="5414473" y="624967"/>
+            <a:ext cx="6628962" cy="6126500"/>
+          </a:xfrm>
+          <a:prstGeom prst="rect">
+            <a:avLst/>
+          </a:prstGeom>
+        </p:spPr>
+      </p:pic>
+      <p:pic>
+        <p:nvPicPr>
+          <p:cNvPr id="4" name="Immagine 3">
+            <a:extLst>
+              <a:ext uri="{FF2B5EF4-FFF2-40B4-BE49-F238E27FC236}">
+                <a16:creationId xmlns:a16="http://schemas.microsoft.com/office/drawing/2014/main" id="{40569228-6006-456E-94DA-7F19468CDF7C}"/>
+              </a:ext>
+            </a:extLst>
+          </p:cNvPr>
+          <p:cNvPicPr>
+            <a:picLocks noChangeAspect="1"/>
+          </p:cNvPicPr>
+          <p:nvPr/>
+        </p:nvPicPr>
+        <p:blipFill>
+          <a:blip r:embed="rId3"/>
+          <a:stretch>
+            <a:fillRect/>
+          </a:stretch>
+        </p:blipFill>
+        <p:spPr>
+          <a:xfrm>
+            <a:off x="234345" y="624966"/>
+            <a:ext cx="4968923" cy="6126501"/>
+          </a:xfrm>
+          <a:prstGeom prst="rect">
+            <a:avLst/>
+          </a:prstGeom>
+        </p:spPr>
+      </p:pic>
+    </p:spTree>
+    <p:extLst>
+      <p:ext uri="{BB962C8B-B14F-4D97-AF65-F5344CB8AC3E}">
+        <p14:creationId xmlns:p14="http://schemas.microsoft.com/office/powerpoint/2010/main" val="1747575321"/>
       </p:ext>
     </p:extLst>
   </p:cSld>
